--- a/ML_project/Flow chart.pptx
+++ b/ML_project/Flow chart.pptx
@@ -6,6 +6,7 @@
   </p:sldMasterIdLst>
   <p:sldIdLst>
     <p:sldId id="256" r:id="rId2"/>
+    <p:sldId id="257" r:id="rId3"/>
   </p:sldIdLst>
   <p:sldSz cx="6858000" cy="12192000"/>
   <p:notesSz cx="6858000" cy="9144000"/>
@@ -243,7 +244,7 @@
           <a:p>
             <a:fld id="{A636F6E8-D9A2-4BB5-BDEB-EE42C6DE82B0}" type="datetimeFigureOut">
               <a:rPr lang="en-US" smtClean="0"/>
-              <a:t>4/10/2025</a:t>
+              <a:t>4/16/2025</a:t>
             </a:fld>
             <a:endParaRPr lang="en-US"/>
           </a:p>
@@ -413,7 +414,7 @@
           <a:p>
             <a:fld id="{A636F6E8-D9A2-4BB5-BDEB-EE42C6DE82B0}" type="datetimeFigureOut">
               <a:rPr lang="en-US" smtClean="0"/>
-              <a:t>4/10/2025</a:t>
+              <a:t>4/16/2025</a:t>
             </a:fld>
             <a:endParaRPr lang="en-US"/>
           </a:p>
@@ -593,7 +594,7 @@
           <a:p>
             <a:fld id="{A636F6E8-D9A2-4BB5-BDEB-EE42C6DE82B0}" type="datetimeFigureOut">
               <a:rPr lang="en-US" smtClean="0"/>
-              <a:t>4/10/2025</a:t>
+              <a:t>4/16/2025</a:t>
             </a:fld>
             <a:endParaRPr lang="en-US"/>
           </a:p>
@@ -763,7 +764,7 @@
           <a:p>
             <a:fld id="{A636F6E8-D9A2-4BB5-BDEB-EE42C6DE82B0}" type="datetimeFigureOut">
               <a:rPr lang="en-US" smtClean="0"/>
-              <a:t>4/10/2025</a:t>
+              <a:t>4/16/2025</a:t>
             </a:fld>
             <a:endParaRPr lang="en-US"/>
           </a:p>
@@ -1009,7 +1010,7 @@
           <a:p>
             <a:fld id="{A636F6E8-D9A2-4BB5-BDEB-EE42C6DE82B0}" type="datetimeFigureOut">
               <a:rPr lang="en-US" smtClean="0"/>
-              <a:t>4/10/2025</a:t>
+              <a:t>4/16/2025</a:t>
             </a:fld>
             <a:endParaRPr lang="en-US"/>
           </a:p>
@@ -1241,7 +1242,7 @@
           <a:p>
             <a:fld id="{A636F6E8-D9A2-4BB5-BDEB-EE42C6DE82B0}" type="datetimeFigureOut">
               <a:rPr lang="en-US" smtClean="0"/>
-              <a:t>4/10/2025</a:t>
+              <a:t>4/16/2025</a:t>
             </a:fld>
             <a:endParaRPr lang="en-US"/>
           </a:p>
@@ -1608,7 +1609,7 @@
           <a:p>
             <a:fld id="{A636F6E8-D9A2-4BB5-BDEB-EE42C6DE82B0}" type="datetimeFigureOut">
               <a:rPr lang="en-US" smtClean="0"/>
-              <a:t>4/10/2025</a:t>
+              <a:t>4/16/2025</a:t>
             </a:fld>
             <a:endParaRPr lang="en-US"/>
           </a:p>
@@ -1726,7 +1727,7 @@
           <a:p>
             <a:fld id="{A636F6E8-D9A2-4BB5-BDEB-EE42C6DE82B0}" type="datetimeFigureOut">
               <a:rPr lang="en-US" smtClean="0"/>
-              <a:t>4/10/2025</a:t>
+              <a:t>4/16/2025</a:t>
             </a:fld>
             <a:endParaRPr lang="en-US"/>
           </a:p>
@@ -1821,7 +1822,7 @@
           <a:p>
             <a:fld id="{A636F6E8-D9A2-4BB5-BDEB-EE42C6DE82B0}" type="datetimeFigureOut">
               <a:rPr lang="en-US" smtClean="0"/>
-              <a:t>4/10/2025</a:t>
+              <a:t>4/16/2025</a:t>
             </a:fld>
             <a:endParaRPr lang="en-US"/>
           </a:p>
@@ -2098,7 +2099,7 @@
           <a:p>
             <a:fld id="{A636F6E8-D9A2-4BB5-BDEB-EE42C6DE82B0}" type="datetimeFigureOut">
               <a:rPr lang="en-US" smtClean="0"/>
-              <a:t>4/10/2025</a:t>
+              <a:t>4/16/2025</a:t>
             </a:fld>
             <a:endParaRPr lang="en-US"/>
           </a:p>
@@ -2355,7 +2356,7 @@
           <a:p>
             <a:fld id="{A636F6E8-D9A2-4BB5-BDEB-EE42C6DE82B0}" type="datetimeFigureOut">
               <a:rPr lang="en-US" smtClean="0"/>
-              <a:t>4/10/2025</a:t>
+              <a:t>4/16/2025</a:t>
             </a:fld>
             <a:endParaRPr lang="en-US"/>
           </a:p>
@@ -2568,7 +2569,7 @@
           <a:p>
             <a:fld id="{A636F6E8-D9A2-4BB5-BDEB-EE42C6DE82B0}" type="datetimeFigureOut">
               <a:rPr lang="en-US" smtClean="0"/>
-              <a:t>4/10/2025</a:t>
+              <a:t>4/16/2025</a:t>
             </a:fld>
             <a:endParaRPr lang="en-US"/>
           </a:p>
@@ -3855,8 +3856,8 @@
         </p:nvSpPr>
         <p:spPr>
           <a:xfrm>
-            <a:off x="2282190" y="4349750"/>
-            <a:ext cx="1548130" cy="1126490"/>
+            <a:off x="2152015" y="4318000"/>
+            <a:ext cx="1832610" cy="1270000"/>
           </a:xfrm>
           <a:prstGeom prst="rect">
             <a:avLst/>
@@ -3927,7 +3928,7 @@
               </a:rPr>
               <a:t>XGBoost</a:t>
             </a:r>
-            <a:endParaRPr lang="en-US" sz="1200" dirty="0">
+            <a:endParaRPr lang="th-TH" sz="1200" dirty="0">
               <a:solidFill>
                 <a:sysClr val="windowText" lastClr="000000"/>
               </a:solidFill>
@@ -3944,7 +3945,35 @@
                   <a:sysClr val="windowText" lastClr="000000"/>
                 </a:solidFill>
               </a:rPr>
-              <a:t>Random Forest and Decision tree</a:t>
+              <a:t>Decision Trees</a:t>
+            </a:r>
+          </a:p>
+          <a:p>
+            <a:pPr marL="171450" indent="-171450" algn="ctr">
+              <a:buFontTx/>
+              <a:buChar char="-"/>
+            </a:pPr>
+            <a:r>
+              <a:rPr lang="en-US" sz="1200" dirty="0">
+                <a:solidFill>
+                  <a:sysClr val="windowText" lastClr="000000"/>
+                </a:solidFill>
+              </a:rPr>
+              <a:t>Decision Trees and Random Forests</a:t>
+            </a:r>
+          </a:p>
+          <a:p>
+            <a:pPr marL="171450" indent="-171450" algn="ctr">
+              <a:buFontTx/>
+              <a:buChar char="-"/>
+            </a:pPr>
+            <a:r>
+              <a:rPr lang="en-US" sz="1200" dirty="0">
+                <a:solidFill>
+                  <a:sysClr val="windowText" lastClr="000000"/>
+                </a:solidFill>
+              </a:rPr>
+              <a:t>Naïve Bayes</a:t>
             </a:r>
           </a:p>
         </p:txBody>
@@ -4406,9 +4435,9 @@
           <p:nvPr/>
         </p:nvCxnSpPr>
         <p:spPr>
-          <a:xfrm flipH="1">
-            <a:off x="3056255" y="4198620"/>
-            <a:ext cx="3175" cy="151130"/>
+          <a:xfrm>
+            <a:off x="3068320" y="4206240"/>
+            <a:ext cx="0" cy="111760"/>
           </a:xfrm>
           <a:prstGeom prst="straightConnector1">
             <a:avLst/>
@@ -4592,7 +4621,7 @@
                   <a:sysClr val="windowText" lastClr="000000"/>
                 </a:solidFill>
               </a:rPr>
-              <a:t>Test the selected model </a:t>
+              <a:t>Model Prediction</a:t>
             </a:r>
           </a:p>
         </p:txBody>
@@ -4897,8 +4926,8 @@
         </p:nvCxnSpPr>
         <p:spPr>
           <a:xfrm>
-            <a:off x="3056255" y="5476240"/>
-            <a:ext cx="12065" cy="243840"/>
+            <a:off x="3068320" y="5588000"/>
+            <a:ext cx="0" cy="132080"/>
           </a:xfrm>
           <a:prstGeom prst="straightConnector1">
             <a:avLst/>
@@ -5126,7 +5155,7 @@
         <p:spPr>
           <a:xfrm>
             <a:off x="1209040" y="3027426"/>
-            <a:ext cx="4480560" cy="5832094"/>
+            <a:ext cx="4480560" cy="5344414"/>
           </a:xfrm>
           <a:prstGeom prst="rect">
             <a:avLst/>
@@ -5227,6 +5256,131 @@
     <p:extLst>
       <p:ext uri="{BB962C8B-B14F-4D97-AF65-F5344CB8AC3E}">
         <p14:creationId xmlns:p14="http://schemas.microsoft.com/office/powerpoint/2010/main" val="3443338112"/>
+      </p:ext>
+    </p:extLst>
+  </p:cSld>
+  <p:clrMapOvr>
+    <a:masterClrMapping/>
+  </p:clrMapOvr>
+</p:sld>
+</file>
+
+<file path=ppt/slides/slide2.xml><?xml version="1.0" encoding="utf-8"?>
+<p:sld xmlns:a="http://schemas.openxmlformats.org/drawingml/2006/main" xmlns:r="http://schemas.openxmlformats.org/officeDocument/2006/relationships" xmlns:p="http://schemas.openxmlformats.org/presentationml/2006/main">
+  <p:cSld>
+    <p:spTree>
+      <p:nvGrpSpPr>
+        <p:cNvPr id="1" name=""/>
+        <p:cNvGrpSpPr/>
+        <p:nvPr/>
+      </p:nvGrpSpPr>
+      <p:grpSpPr>
+        <a:xfrm>
+          <a:off x="0" y="0"/>
+          <a:ext cx="0" cy="0"/>
+          <a:chOff x="0" y="0"/>
+          <a:chExt cx="0" cy="0"/>
+        </a:xfrm>
+      </p:grpSpPr>
+      <p:sp>
+        <p:nvSpPr>
+          <p:cNvPr id="2" name="Title 1">
+            <a:extLst>
+              <a:ext uri="{FF2B5EF4-FFF2-40B4-BE49-F238E27FC236}">
+                <a16:creationId xmlns:a16="http://schemas.microsoft.com/office/drawing/2014/main" id="{BE5D4E6A-4AA1-3061-054C-FDE22980C81A}"/>
+              </a:ext>
+            </a:extLst>
+          </p:cNvPr>
+          <p:cNvSpPr>
+            <a:spLocks noGrp="1"/>
+          </p:cNvSpPr>
+          <p:nvPr>
+            <p:ph type="title"/>
+          </p:nvPr>
+        </p:nvSpPr>
+        <p:spPr/>
+        <p:txBody>
+          <a:bodyPr/>
+          <a:lstStyle/>
+          <a:p>
+            <a:endParaRPr lang="en-US"/>
+          </a:p>
+        </p:txBody>
+      </p:sp>
+      <p:sp>
+        <p:nvSpPr>
+          <p:cNvPr id="3" name="Content Placeholder 2">
+            <a:extLst>
+              <a:ext uri="{FF2B5EF4-FFF2-40B4-BE49-F238E27FC236}">
+                <a16:creationId xmlns:a16="http://schemas.microsoft.com/office/drawing/2014/main" id="{243B9FA9-EE61-628F-6D53-6A4F3E86FED3}"/>
+              </a:ext>
+            </a:extLst>
+          </p:cNvPr>
+          <p:cNvSpPr>
+            <a:spLocks noGrp="1"/>
+          </p:cNvSpPr>
+          <p:nvPr>
+            <p:ph idx="1"/>
+          </p:nvPr>
+        </p:nvSpPr>
+        <p:spPr/>
+        <p:txBody>
+          <a:bodyPr/>
+          <a:lstStyle/>
+          <a:p>
+            <a:r>
+              <a:rPr lang="en-US" dirty="0"/>
+              <a:t>Data Exploration -&gt; labeled Data so using supervised learning, explain numerical and categorical data, data distribution</a:t>
+            </a:r>
+          </a:p>
+          <a:p>
+            <a:r>
+              <a:rPr lang="en-US" dirty="0"/>
+              <a:t>Analysis Phase explain the features of </a:t>
+            </a:r>
+            <a:r>
+              <a:rPr lang="en-US" b="1" dirty="0"/>
+              <a:t>training</a:t>
+            </a:r>
+            <a:r>
+              <a:rPr lang="en-US" dirty="0"/>
+              <a:t> alpha, number of iteration </a:t>
+            </a:r>
+          </a:p>
+          <a:p>
+            <a:r>
+              <a:rPr lang="en-US" dirty="0"/>
+              <a:t>Result and discussion explain the result after test on </a:t>
+            </a:r>
+            <a:r>
+              <a:rPr lang="en-US" b="1" dirty="0"/>
+              <a:t>validation</a:t>
+            </a:r>
+            <a:r>
+              <a:rPr lang="en-US" dirty="0"/>
+              <a:t> set e.g. accuracy, confusion matrix, Model selection on the most accurate on validation set and selected the model for test set.</a:t>
+            </a:r>
+          </a:p>
+          <a:p>
+            <a:r>
+              <a:rPr lang="en-US" dirty="0"/>
+              <a:t>Model Prediction is </a:t>
+            </a:r>
+            <a:r>
+              <a:rPr lang="en-US" b="1" dirty="0"/>
+              <a:t>Testing</a:t>
+            </a:r>
+            <a:r>
+              <a:rPr lang="en-US" dirty="0"/>
+              <a:t> ,explain the accurate prediction</a:t>
+            </a:r>
+          </a:p>
+        </p:txBody>
+      </p:sp>
+    </p:spTree>
+    <p:extLst>
+      <p:ext uri="{BB962C8B-B14F-4D97-AF65-F5344CB8AC3E}">
+        <p14:creationId xmlns:p14="http://schemas.microsoft.com/office/powerpoint/2010/main" val="2248461300"/>
       </p:ext>
     </p:extLst>
   </p:cSld>
